--- a/ExamplePresentation.pptx
+++ b/ExamplePresentation.pptx
@@ -3855,8 +3855,12 @@
           <a:lstStyle/>
           <a:p>
             <a:r>
+              <a:rPr lang="en-US" smtClean="0"/>
+              <a:t>Title </a:t>
+            </a:r>
+            <a:r>
               <a:rPr lang="en-US" dirty="0" smtClean="0"/>
-              <a:t>My Title Slide</a:t>
+              <a:t>Slide</a:t>
             </a:r>
             <a:endParaRPr lang="en-US" dirty="0"/>
           </a:p>

--- a/ExamplePresentation.pptx
+++ b/ExamplePresentation.pptx
@@ -2,7 +2,7 @@
 <file path=ppt/presentation.xml><?xml version="1.0" encoding="utf-8"?>
 <p:presentation xmlns:a="http://schemas.openxmlformats.org/drawingml/2006/main" xmlns:r="http://schemas.openxmlformats.org/officeDocument/2006/relationships" xmlns:p="http://schemas.openxmlformats.org/presentationml/2006/main" saveSubsetFonts="1" autoCompressPictures="0">
   <p:sldMasterIdLst>
-    <p:sldMasterId id="2147483661" r:id="rId1"/>
+    <p:sldMasterId id="2147483673" r:id="rId1"/>
   </p:sldMasterIdLst>
   <p:sldIdLst>
     <p:sldId id="256" r:id="rId2"/>
@@ -138,6 +138,9 @@
         </p14:section>
       </p14:sectionLst>
     </p:ext>
+    <p:ext uri="{EFAFB233-063F-42B5-8137-9DF3F51BA10A}">
+      <p15:sldGuideLst xmlns:p15="http://schemas.microsoft.com/office/powerpoint/2012/main"/>
+    </p:ext>
   </p:extLst>
 </p:presentation>
 </file>
@@ -167,7 +170,7 @@
         </p:nvSpPr>
         <p:spPr>
           <a:xfrm>
-            <a:off x="2382" y="6400800"/>
+            <a:off x="2383" y="6400800"/>
             <a:ext cx="9141619" cy="457200"/>
           </a:xfrm>
           <a:prstGeom prst="rect">
@@ -205,7 +208,7 @@
         </p:nvSpPr>
         <p:spPr>
           <a:xfrm>
-            <a:off x="12" y="6334316"/>
+            <a:off x="13" y="6334317"/>
             <a:ext cx="9141619" cy="64008"/>
           </a:xfrm>
           <a:prstGeom prst="rect">
@@ -247,7 +250,7 @@
         </p:nvSpPr>
         <p:spPr>
           <a:xfrm>
-            <a:off x="822960" y="758952"/>
+            <a:off x="822961" y="758952"/>
             <a:ext cx="7543800" cy="3566160"/>
           </a:xfrm>
         </p:spPr>
@@ -260,7 +263,7 @@
               <a:lnSpc>
                 <a:spcPct val="85000"/>
               </a:lnSpc>
-              <a:defRPr sz="8000" spc="-50" baseline="0">
+              <a:defRPr sz="7993" spc="-50" baseline="0">
                 <a:solidFill>
                   <a:schemeClr val="tx1">
                     <a:lumMod val="85000"/>
@@ -291,7 +294,7 @@
         </p:nvSpPr>
         <p:spPr>
           <a:xfrm>
-            <a:off x="825038" y="4455621"/>
+            <a:off x="825038" y="4455622"/>
             <a:ext cx="7543800" cy="1143000"/>
           </a:xfrm>
         </p:spPr>
@@ -302,44 +305,44 @@
           <a:lstStyle>
             <a:lvl1pPr marL="0" indent="0" algn="l">
               <a:buNone/>
-              <a:defRPr sz="2400" cap="all" spc="200" baseline="0">
+              <a:defRPr sz="2398" cap="all" spc="199" baseline="0">
                 <a:solidFill>
                   <a:schemeClr val="tx2"/>
                 </a:solidFill>
                 <a:latin typeface="+mj-lt"/>
               </a:defRPr>
             </a:lvl1pPr>
-            <a:lvl2pPr marL="457200" indent="0" algn="ctr">
-              <a:buNone/>
-              <a:defRPr sz="2400"/>
+            <a:lvl2pPr marL="456836" indent="0" algn="ctr">
+              <a:buNone/>
+              <a:defRPr sz="2398"/>
             </a:lvl2pPr>
-            <a:lvl3pPr marL="914400" indent="0" algn="ctr">
-              <a:buNone/>
-              <a:defRPr sz="2400"/>
+            <a:lvl3pPr marL="913671" indent="0" algn="ctr">
+              <a:buNone/>
+              <a:defRPr sz="2398"/>
             </a:lvl3pPr>
-            <a:lvl4pPr marL="1371600" indent="0" algn="ctr">
-              <a:buNone/>
-              <a:defRPr sz="2000"/>
+            <a:lvl4pPr marL="1370507" indent="0" algn="ctr">
+              <a:buNone/>
+              <a:defRPr sz="1999"/>
             </a:lvl4pPr>
-            <a:lvl5pPr marL="1828800" indent="0" algn="ctr">
-              <a:buNone/>
-              <a:defRPr sz="2000"/>
+            <a:lvl5pPr marL="1827343" indent="0" algn="ctr">
+              <a:buNone/>
+              <a:defRPr sz="1999"/>
             </a:lvl5pPr>
-            <a:lvl6pPr marL="2286000" indent="0" algn="ctr">
-              <a:buNone/>
-              <a:defRPr sz="2000"/>
+            <a:lvl6pPr marL="2284178" indent="0" algn="ctr">
+              <a:buNone/>
+              <a:defRPr sz="1999"/>
             </a:lvl6pPr>
-            <a:lvl7pPr marL="2743200" indent="0" algn="ctr">
-              <a:buNone/>
-              <a:defRPr sz="2000"/>
+            <a:lvl7pPr marL="2741013" indent="0" algn="ctr">
+              <a:buNone/>
+              <a:defRPr sz="1999"/>
             </a:lvl7pPr>
-            <a:lvl8pPr marL="3200400" indent="0" algn="ctr">
-              <a:buNone/>
-              <a:defRPr sz="2000"/>
+            <a:lvl8pPr marL="3197849" indent="0" algn="ctr">
+              <a:buNone/>
+              <a:defRPr sz="1999"/>
             </a:lvl8pPr>
-            <a:lvl9pPr marL="3657600" indent="0" algn="ctr">
-              <a:buNone/>
-              <a:defRPr sz="2000"/>
+            <a:lvl9pPr marL="3654684" indent="0" algn="ctr">
+              <a:buNone/>
+              <a:defRPr sz="1999"/>
             </a:lvl9pPr>
           </a:lstStyle>
           <a:p>
@@ -368,7 +371,7 @@
           <a:p>
             <a:fld id="{4BDF68E2-58F2-4D09-BE8B-E3BD06533059}" type="datetimeFigureOut">
               <a:rPr lang="en-US" smtClean="0"/>
-              <a:t>5/12/16</a:t>
+              <a:t>10/12/16</a:t>
             </a:fld>
             <a:endParaRPr lang="en-US" dirty="0"/>
           </a:p>
@@ -457,13 +460,20 @@
     </p:spTree>
     <p:extLst>
       <p:ext uri="{BB962C8B-B14F-4D97-AF65-F5344CB8AC3E}">
-        <p14:creationId xmlns:p14="http://schemas.microsoft.com/office/powerpoint/2010/main" val="550705938"/>
+        <p14:creationId xmlns:p14="http://schemas.microsoft.com/office/powerpoint/2010/main" val="1080521699"/>
       </p:ext>
     </p:extLst>
   </p:cSld>
   <p:clrMapOvr>
     <a:masterClrMapping/>
   </p:clrMapOvr>
+  <p:timing>
+    <p:tnLst>
+      <p:par>
+        <p:cTn id="1" dur="indefinite" restart="never" nodeType="tmRoot"/>
+      </p:par>
+    </p:tnLst>
+  </p:timing>
 </p:sldLayout>
 </file>
 
@@ -576,7 +586,7 @@
           <a:p>
             <a:fld id="{2E2D6473-DF6D-4702-B328-E0DD40540A4E}" type="datetimeFigureOut">
               <a:rPr lang="en-US" smtClean="0"/>
-              <a:t>5/12/16</a:t>
+              <a:t>10/12/16</a:t>
             </a:fld>
             <a:endParaRPr lang="en-US" dirty="0"/>
           </a:p>
@@ -627,7 +637,7 @@
     </p:spTree>
     <p:extLst>
       <p:ext uri="{BB962C8B-B14F-4D97-AF65-F5344CB8AC3E}">
-        <p14:creationId xmlns:p14="http://schemas.microsoft.com/office/powerpoint/2010/main" val="765105866"/>
+        <p14:creationId xmlns:p14="http://schemas.microsoft.com/office/powerpoint/2010/main" val="1200807795"/>
       </p:ext>
     </p:extLst>
   </p:cSld>
@@ -662,7 +672,7 @@
         </p:nvSpPr>
         <p:spPr>
           <a:xfrm>
-            <a:off x="2382" y="6400800"/>
+            <a:off x="2383" y="6400800"/>
             <a:ext cx="9141619" cy="457200"/>
           </a:xfrm>
           <a:prstGeom prst="rect">
@@ -700,7 +710,7 @@
         </p:nvSpPr>
         <p:spPr>
           <a:xfrm>
-            <a:off x="12" y="6334316"/>
+            <a:off x="13" y="6334317"/>
             <a:ext cx="9141619" cy="64008"/>
           </a:xfrm>
           <a:prstGeom prst="rect">
@@ -742,8 +752,8 @@
         </p:nvSpPr>
         <p:spPr>
           <a:xfrm>
-            <a:off x="6543675" y="414779"/>
-            <a:ext cx="1971675" cy="5757421"/>
+            <a:off x="6543676" y="412302"/>
+            <a:ext cx="1971675" cy="5759898"/>
           </a:xfrm>
         </p:spPr>
         <p:txBody>
@@ -770,8 +780,8 @@
         </p:nvSpPr>
         <p:spPr>
           <a:xfrm>
-            <a:off x="628650" y="414779"/>
-            <a:ext cx="5800725" cy="5757420"/>
+            <a:off x="628651" y="412302"/>
+            <a:ext cx="5800725" cy="5759898"/>
           </a:xfrm>
         </p:spPr>
         <p:txBody>
@@ -832,7 +842,7 @@
           <a:p>
             <a:fld id="{E26F7E3A-B166-407D-9866-32884E7D5B37}" type="datetimeFigureOut">
               <a:rPr lang="en-US" smtClean="0"/>
-              <a:t>5/12/16</a:t>
+              <a:t>10/12/16</a:t>
             </a:fld>
             <a:endParaRPr lang="en-US" dirty="0"/>
           </a:p>
@@ -883,13 +893,303 @@
     </p:spTree>
     <p:extLst>
       <p:ext uri="{BB962C8B-B14F-4D97-AF65-F5344CB8AC3E}">
-        <p14:creationId xmlns:p14="http://schemas.microsoft.com/office/powerpoint/2010/main" val="2211626"/>
+        <p14:creationId xmlns:p14="http://schemas.microsoft.com/office/powerpoint/2010/main" val="2072779706"/>
       </p:ext>
     </p:extLst>
   </p:cSld>
   <p:clrMapOvr>
     <a:masterClrMapping/>
   </p:clrMapOvr>
+</p:sldLayout>
+</file>
+
+<file path=ppt/slideLayouts/slideLayout12.xml><?xml version="1.0" encoding="utf-8"?>
+<p:sldLayout xmlns:a="http://schemas.openxmlformats.org/drawingml/2006/main" xmlns:r="http://schemas.openxmlformats.org/officeDocument/2006/relationships" xmlns:p="http://schemas.openxmlformats.org/presentationml/2006/main" matchingName="tx" type="tx">
+  <p:cSld name="tx">
+    <p:spTree>
+      <p:nvGrpSpPr>
+        <p:cNvPr id="1" name="Shape 10"/>
+        <p:cNvGrpSpPr/>
+        <p:nvPr/>
+      </p:nvGrpSpPr>
+      <p:grpSpPr>
+        <a:xfrm>
+          <a:off x="0" y="0"/>
+          <a:ext cx="0" cy="0"/>
+          <a:chOff x="0" y="0"/>
+          <a:chExt cx="0" cy="0"/>
+        </a:xfrm>
+      </p:grpSpPr>
+      <p:sp>
+        <p:nvSpPr>
+          <p:cNvPr id="11" name="Shape 11"/>
+          <p:cNvSpPr txBox="1">
+            <a:spLocks noGrp="1"/>
+          </p:cNvSpPr>
+          <p:nvPr>
+            <p:ph type="title"/>
+          </p:nvPr>
+        </p:nvSpPr>
+        <p:spPr>
+          <a:xfrm>
+            <a:off x="457200" y="274641"/>
+            <a:ext cx="8229600" cy="1143000"/>
+          </a:xfrm>
+          <a:prstGeom prst="rect">
+            <a:avLst/>
+          </a:prstGeom>
+          <a:noFill/>
+          <a:ln>
+            <a:noFill/>
+          </a:ln>
+        </p:spPr>
+        <p:txBody>
+          <a:bodyPr lIns="100726" tIns="100726" rIns="100726" bIns="100726" anchor="b" anchorCtr="0"/>
+          <a:lstStyle>
+            <a:lvl1pPr algn="l" rtl="0">
+              <a:spcBef>
+                <a:spcPts val="0"/>
+              </a:spcBef>
+              <a:buSzPct val="100000"/>
+              <a:buFont typeface="Arial"/>
+              <a:buNone/>
+              <a:defRPr sz="3627" b="1">
+                <a:solidFill>
+                  <a:schemeClr val="dk1"/>
+                </a:solidFill>
+                <a:latin typeface="Arial"/>
+                <a:ea typeface="Arial"/>
+                <a:cs typeface="Arial"/>
+                <a:sym typeface="Arial"/>
+              </a:defRPr>
+            </a:lvl1pPr>
+            <a:lvl2pPr algn="l" rtl="0">
+              <a:spcBef>
+                <a:spcPts val="0"/>
+              </a:spcBef>
+              <a:buSzPct val="100000"/>
+              <a:buFont typeface="Arial"/>
+              <a:buNone/>
+              <a:defRPr sz="3627" b="1">
+                <a:solidFill>
+                  <a:schemeClr val="dk1"/>
+                </a:solidFill>
+                <a:latin typeface="Arial"/>
+                <a:ea typeface="Arial"/>
+                <a:cs typeface="Arial"/>
+                <a:sym typeface="Arial"/>
+              </a:defRPr>
+            </a:lvl2pPr>
+            <a:lvl3pPr algn="l" rtl="0">
+              <a:spcBef>
+                <a:spcPts val="0"/>
+              </a:spcBef>
+              <a:buSzPct val="100000"/>
+              <a:buFont typeface="Arial"/>
+              <a:buNone/>
+              <a:defRPr sz="3627" b="1">
+                <a:solidFill>
+                  <a:schemeClr val="dk1"/>
+                </a:solidFill>
+                <a:latin typeface="Arial"/>
+                <a:ea typeface="Arial"/>
+                <a:cs typeface="Arial"/>
+                <a:sym typeface="Arial"/>
+              </a:defRPr>
+            </a:lvl3pPr>
+            <a:lvl4pPr algn="l" rtl="0">
+              <a:spcBef>
+                <a:spcPts val="0"/>
+              </a:spcBef>
+              <a:buSzPct val="100000"/>
+              <a:buFont typeface="Arial"/>
+              <a:buNone/>
+              <a:defRPr sz="3627" b="1">
+                <a:solidFill>
+                  <a:schemeClr val="dk1"/>
+                </a:solidFill>
+                <a:latin typeface="Arial"/>
+                <a:ea typeface="Arial"/>
+                <a:cs typeface="Arial"/>
+                <a:sym typeface="Arial"/>
+              </a:defRPr>
+            </a:lvl4pPr>
+            <a:lvl5pPr algn="l" rtl="0">
+              <a:spcBef>
+                <a:spcPts val="0"/>
+              </a:spcBef>
+              <a:buSzPct val="100000"/>
+              <a:buFont typeface="Arial"/>
+              <a:buNone/>
+              <a:defRPr sz="3627" b="1">
+                <a:solidFill>
+                  <a:schemeClr val="dk1"/>
+                </a:solidFill>
+                <a:latin typeface="Arial"/>
+                <a:ea typeface="Arial"/>
+                <a:cs typeface="Arial"/>
+                <a:sym typeface="Arial"/>
+              </a:defRPr>
+            </a:lvl5pPr>
+            <a:lvl6pPr algn="l" rtl="0">
+              <a:spcBef>
+                <a:spcPts val="0"/>
+              </a:spcBef>
+              <a:buSzPct val="100000"/>
+              <a:buFont typeface="Arial"/>
+              <a:buNone/>
+              <a:defRPr sz="3627" b="1">
+                <a:solidFill>
+                  <a:schemeClr val="dk1"/>
+                </a:solidFill>
+                <a:latin typeface="Arial"/>
+                <a:ea typeface="Arial"/>
+                <a:cs typeface="Arial"/>
+                <a:sym typeface="Arial"/>
+              </a:defRPr>
+            </a:lvl6pPr>
+            <a:lvl7pPr algn="l" rtl="0">
+              <a:spcBef>
+                <a:spcPts val="0"/>
+              </a:spcBef>
+              <a:buSzPct val="100000"/>
+              <a:buFont typeface="Arial"/>
+              <a:buNone/>
+              <a:defRPr sz="3627" b="1">
+                <a:solidFill>
+                  <a:schemeClr val="dk1"/>
+                </a:solidFill>
+                <a:latin typeface="Arial"/>
+                <a:ea typeface="Arial"/>
+                <a:cs typeface="Arial"/>
+                <a:sym typeface="Arial"/>
+              </a:defRPr>
+            </a:lvl7pPr>
+            <a:lvl8pPr algn="l" rtl="0">
+              <a:spcBef>
+                <a:spcPts val="0"/>
+              </a:spcBef>
+              <a:buSzPct val="100000"/>
+              <a:buFont typeface="Arial"/>
+              <a:buNone/>
+              <a:defRPr sz="3627" b="1">
+                <a:solidFill>
+                  <a:schemeClr val="dk1"/>
+                </a:solidFill>
+                <a:latin typeface="Arial"/>
+                <a:ea typeface="Arial"/>
+                <a:cs typeface="Arial"/>
+                <a:sym typeface="Arial"/>
+              </a:defRPr>
+            </a:lvl8pPr>
+            <a:lvl9pPr algn="l" rtl="0">
+              <a:spcBef>
+                <a:spcPts val="0"/>
+              </a:spcBef>
+              <a:buSzPct val="100000"/>
+              <a:buFont typeface="Arial"/>
+              <a:buNone/>
+              <a:defRPr sz="3627" b="1">
+                <a:solidFill>
+                  <a:schemeClr val="dk1"/>
+                </a:solidFill>
+                <a:latin typeface="Arial"/>
+                <a:ea typeface="Arial"/>
+                <a:cs typeface="Arial"/>
+                <a:sym typeface="Arial"/>
+              </a:defRPr>
+            </a:lvl9pPr>
+          </a:lstStyle>
+          <a:p>
+            <a:r>
+              <a:rPr lang="en-US" smtClean="0"/>
+              <a:t>Click to edit Master title style</a:t>
+            </a:r>
+            <a:endParaRPr/>
+          </a:p>
+        </p:txBody>
+      </p:sp>
+      <p:sp>
+        <p:nvSpPr>
+          <p:cNvPr id="12" name="Shape 12"/>
+          <p:cNvSpPr txBox="1">
+            <a:spLocks noGrp="1"/>
+          </p:cNvSpPr>
+          <p:nvPr>
+            <p:ph type="body" idx="1"/>
+          </p:nvPr>
+        </p:nvSpPr>
+        <p:spPr>
+          <a:xfrm>
+            <a:off x="457200" y="1600200"/>
+            <a:ext cx="8229600" cy="4967574"/>
+          </a:xfrm>
+          <a:prstGeom prst="rect">
+            <a:avLst/>
+          </a:prstGeom>
+          <a:noFill/>
+          <a:ln>
+            <a:noFill/>
+          </a:ln>
+        </p:spPr>
+        <p:txBody>
+          <a:bodyPr lIns="100726" tIns="100726" rIns="100726" bIns="100726" anchor="t" anchorCtr="0"/>
+          <a:lstStyle>
+            <a:lvl1pPr rtl="0">
+              <a:defRPr/>
+            </a:lvl1pPr>
+            <a:lvl2pPr marL="742248" indent="-285480" rtl="0">
+              <a:defRPr/>
+            </a:lvl2pPr>
+            <a:lvl3pPr marL="1141921" indent="-228385" rtl="0">
+              <a:defRPr/>
+            </a:lvl3pPr>
+            <a:lvl4pPr marL="1598687" indent="-228385" rtl="0">
+              <a:defRPr/>
+            </a:lvl4pPr>
+            <a:lvl5pPr rtl="0">
+              <a:defRPr sz="1814"/>
+            </a:lvl5pPr>
+            <a:lvl6pPr rtl="0">
+              <a:defRPr sz="1814"/>
+            </a:lvl6pPr>
+            <a:lvl7pPr rtl="0">
+              <a:defRPr sz="1814"/>
+            </a:lvl7pPr>
+            <a:lvl8pPr rtl="0">
+              <a:defRPr sz="1814"/>
+            </a:lvl8pPr>
+            <a:lvl9pPr rtl="0">
+              <a:defRPr sz="1814"/>
+            </a:lvl9pPr>
+          </a:lstStyle>
+          <a:p>
+            <a:pPr lvl="0"/>
+            <a:r>
+              <a:rPr lang="en-US" smtClean="0"/>
+              <a:t>Click to edit Master text styles</a:t>
+            </a:r>
+          </a:p>
+        </p:txBody>
+      </p:sp>
+    </p:spTree>
+    <p:extLst>
+      <p:ext uri="{BB962C8B-B14F-4D97-AF65-F5344CB8AC3E}">
+        <p14:creationId xmlns:p14="http://schemas.microsoft.com/office/powerpoint/2010/main" val="728797108"/>
+      </p:ext>
+    </p:extLst>
+  </p:cSld>
+  <p:clrMapOvr>
+    <a:masterClrMapping/>
+  </p:clrMapOvr>
+  <p:timing>
+    <p:tnLst>
+      <p:par>
+        <p:cTn id="1" dur="indefinite" restart="never" nodeType="tmRoot"/>
+      </p:par>
+    </p:tnLst>
+  </p:timing>
+  <p:hf sldNum="0" hdr="0" ftr="0" dt="0"/>
 </p:sldLayout>
 </file>
 
@@ -1002,7 +1302,7 @@
           <a:p>
             <a:fld id="{528FC5F6-F338-4AE4-BB23-26385BCFC423}" type="datetimeFigureOut">
               <a:rPr lang="en-US" smtClean="0"/>
-              <a:t>5/12/16</a:t>
+              <a:t>10/12/16</a:t>
             </a:fld>
             <a:endParaRPr lang="en-US" dirty="0"/>
           </a:p>
@@ -1053,13 +1353,20 @@
     </p:spTree>
     <p:extLst>
       <p:ext uri="{BB962C8B-B14F-4D97-AF65-F5344CB8AC3E}">
-        <p14:creationId xmlns:p14="http://schemas.microsoft.com/office/powerpoint/2010/main" val="60181396"/>
+        <p14:creationId xmlns:p14="http://schemas.microsoft.com/office/powerpoint/2010/main" val="1206476061"/>
       </p:ext>
     </p:extLst>
   </p:cSld>
   <p:clrMapOvr>
     <a:masterClrMapping/>
   </p:clrMapOvr>
+  <p:timing>
+    <p:tnLst>
+      <p:par>
+        <p:cTn id="1" dur="indefinite" restart="never" nodeType="tmRoot"/>
+      </p:par>
+    </p:tnLst>
+  </p:timing>
 </p:sldLayout>
 </file>
 
@@ -1096,7 +1403,7 @@
         </p:nvSpPr>
         <p:spPr>
           <a:xfrm>
-            <a:off x="2382" y="6400800"/>
+            <a:off x="2383" y="6400800"/>
             <a:ext cx="9141619" cy="457200"/>
           </a:xfrm>
           <a:prstGeom prst="rect">
@@ -1134,7 +1441,7 @@
         </p:nvSpPr>
         <p:spPr>
           <a:xfrm>
-            <a:off x="12" y="6334316"/>
+            <a:off x="13" y="6334317"/>
             <a:ext cx="9141619" cy="64008"/>
           </a:xfrm>
           <a:prstGeom prst="rect">
@@ -1176,7 +1483,7 @@
         </p:nvSpPr>
         <p:spPr>
           <a:xfrm>
-            <a:off x="822960" y="758952"/>
+            <a:off x="822961" y="758952"/>
             <a:ext cx="7543800" cy="3566160"/>
           </a:xfrm>
         </p:spPr>
@@ -1189,7 +1496,7 @@
               <a:lnSpc>
                 <a:spcPct val="85000"/>
               </a:lnSpc>
-              <a:defRPr sz="8000" b="0">
+              <a:defRPr sz="7993" b="0">
                 <a:solidFill>
                   <a:schemeClr val="tx1">
                     <a:lumMod val="85000"/>
@@ -1220,7 +1527,7 @@
         </p:nvSpPr>
         <p:spPr>
           <a:xfrm>
-            <a:off x="822960" y="4453128"/>
+            <a:off x="822961" y="4453129"/>
             <a:ext cx="7543800" cy="1143000"/>
           </a:xfrm>
         </p:spPr>
@@ -1231,16 +1538,16 @@
           <a:lstStyle>
             <a:lvl1pPr marL="0" indent="0">
               <a:buNone/>
-              <a:defRPr sz="2400" cap="all" spc="200" baseline="0">
+              <a:defRPr sz="2398" cap="all" spc="199" baseline="0">
                 <a:solidFill>
                   <a:schemeClr val="tx2"/>
                 </a:solidFill>
                 <a:latin typeface="+mj-lt"/>
               </a:defRPr>
             </a:lvl1pPr>
-            <a:lvl2pPr marL="457200" indent="0">
-              <a:buNone/>
-              <a:defRPr sz="1800">
+            <a:lvl2pPr marL="456836" indent="0">
+              <a:buNone/>
+              <a:defRPr sz="1798">
                 <a:solidFill>
                   <a:schemeClr val="tx1">
                     <a:tint val="75000"/>
@@ -1248,9 +1555,9 @@
                 </a:solidFill>
               </a:defRPr>
             </a:lvl2pPr>
-            <a:lvl3pPr marL="914400" indent="0">
-              <a:buNone/>
-              <a:defRPr sz="1600">
+            <a:lvl3pPr marL="913671" indent="0">
+              <a:buNone/>
+              <a:defRPr sz="1599">
                 <a:solidFill>
                   <a:schemeClr val="tx1">
                     <a:tint val="75000"/>
@@ -1258,9 +1565,9 @@
                 </a:solidFill>
               </a:defRPr>
             </a:lvl3pPr>
-            <a:lvl4pPr marL="1371600" indent="0">
-              <a:buNone/>
-              <a:defRPr sz="1400">
+            <a:lvl4pPr marL="1370507" indent="0">
+              <a:buNone/>
+              <a:defRPr sz="1399">
                 <a:solidFill>
                   <a:schemeClr val="tx1">
                     <a:tint val="75000"/>
@@ -1268,9 +1575,9 @@
                 </a:solidFill>
               </a:defRPr>
             </a:lvl4pPr>
-            <a:lvl5pPr marL="1828800" indent="0">
-              <a:buNone/>
-              <a:defRPr sz="1400">
+            <a:lvl5pPr marL="1827343" indent="0">
+              <a:buNone/>
+              <a:defRPr sz="1399">
                 <a:solidFill>
                   <a:schemeClr val="tx1">
                     <a:tint val="75000"/>
@@ -1278,9 +1585,9 @@
                 </a:solidFill>
               </a:defRPr>
             </a:lvl5pPr>
-            <a:lvl6pPr marL="2286000" indent="0">
-              <a:buNone/>
-              <a:defRPr sz="1400">
+            <a:lvl6pPr marL="2284178" indent="0">
+              <a:buNone/>
+              <a:defRPr sz="1399">
                 <a:solidFill>
                   <a:schemeClr val="tx1">
                     <a:tint val="75000"/>
@@ -1288,9 +1595,9 @@
                 </a:solidFill>
               </a:defRPr>
             </a:lvl6pPr>
-            <a:lvl7pPr marL="2743200" indent="0">
-              <a:buNone/>
-              <a:defRPr sz="1400">
+            <a:lvl7pPr marL="2741013" indent="0">
+              <a:buNone/>
+              <a:defRPr sz="1399">
                 <a:solidFill>
                   <a:schemeClr val="tx1">
                     <a:tint val="75000"/>
@@ -1298,9 +1605,9 @@
                 </a:solidFill>
               </a:defRPr>
             </a:lvl7pPr>
-            <a:lvl8pPr marL="3200400" indent="0">
-              <a:buNone/>
-              <a:defRPr sz="1400">
+            <a:lvl8pPr marL="3197849" indent="0">
+              <a:buNone/>
+              <a:defRPr sz="1399">
                 <a:solidFill>
                   <a:schemeClr val="tx1">
                     <a:tint val="75000"/>
@@ -1308,9 +1615,9 @@
                 </a:solidFill>
               </a:defRPr>
             </a:lvl8pPr>
-            <a:lvl9pPr marL="3657600" indent="0">
-              <a:buNone/>
-              <a:defRPr sz="1400">
+            <a:lvl9pPr marL="3654684" indent="0">
+              <a:buNone/>
+              <a:defRPr sz="1399">
                 <a:solidFill>
                   <a:schemeClr val="tx1">
                     <a:tint val="75000"/>
@@ -1345,7 +1652,7 @@
           <a:p>
             <a:fld id="{20EBB0C4-6273-4C6E-B9BD-2EDC30F1CD52}" type="datetimeFigureOut">
               <a:rPr lang="en-US" smtClean="0"/>
-              <a:t>5/12/16</a:t>
+              <a:t>10/12/16</a:t>
             </a:fld>
             <a:endParaRPr lang="en-US" dirty="0"/>
           </a:p>
@@ -1434,7 +1741,7 @@
     </p:spTree>
     <p:extLst>
       <p:ext uri="{BB962C8B-B14F-4D97-AF65-F5344CB8AC3E}">
-        <p14:creationId xmlns:p14="http://schemas.microsoft.com/office/powerpoint/2010/main" val="3924835"/>
+        <p14:creationId xmlns:p14="http://schemas.microsoft.com/office/powerpoint/2010/main" val="702562253"/>
       </p:ext>
     </p:extLst>
   </p:cSld>
@@ -1473,8 +1780,8 @@
         </p:nvSpPr>
         <p:spPr>
           <a:xfrm>
-            <a:off x="822960" y="286604"/>
-            <a:ext cx="7543800" cy="1450757"/>
+            <a:off x="822961" y="286605"/>
+            <a:ext cx="7543800" cy="793056"/>
           </a:xfrm>
         </p:spPr>
         <p:txBody>
@@ -1501,7 +1808,64 @@
         </p:nvSpPr>
         <p:spPr>
           <a:xfrm>
-            <a:off x="822960" y="1845734"/>
+            <a:off x="822960" y="1845736"/>
+            <a:ext cx="3703320" cy="4023359"/>
+          </a:xfrm>
+        </p:spPr>
+        <p:txBody>
+          <a:bodyPr/>
+          <a:lstStyle/>
+          <a:p>
+            <a:pPr lvl="0"/>
+            <a:r>
+              <a:rPr lang="en-US" smtClean="0"/>
+              <a:t>Click to edit Master text styles</a:t>
+            </a:r>
+          </a:p>
+          <a:p>
+            <a:pPr lvl="1"/>
+            <a:r>
+              <a:rPr lang="en-US" smtClean="0"/>
+              <a:t>Second level</a:t>
+            </a:r>
+          </a:p>
+          <a:p>
+            <a:pPr lvl="2"/>
+            <a:r>
+              <a:rPr lang="en-US" smtClean="0"/>
+              <a:t>Third level</a:t>
+            </a:r>
+          </a:p>
+          <a:p>
+            <a:pPr lvl="3"/>
+            <a:r>
+              <a:rPr lang="en-US" smtClean="0"/>
+              <a:t>Fourth level</a:t>
+            </a:r>
+          </a:p>
+          <a:p>
+            <a:pPr lvl="4"/>
+            <a:r>
+              <a:rPr lang="en-US" smtClean="0"/>
+              <a:t>Fifth level</a:t>
+            </a:r>
+            <a:endParaRPr lang="en-US" dirty="0"/>
+          </a:p>
+        </p:txBody>
+      </p:sp>
+      <p:sp>
+        <p:nvSpPr>
+          <p:cNvPr id="4" name="Content Placeholder 3"/>
+          <p:cNvSpPr>
+            <a:spLocks noGrp="1"/>
+          </p:cNvSpPr>
+          <p:nvPr>
+            <p:ph sz="half" idx="2"/>
+          </p:nvPr>
+        </p:nvSpPr>
+        <p:spPr>
+          <a:xfrm>
+            <a:off x="4663441" y="1845735"/>
             <a:ext cx="3703320" cy="4023360"/>
           </a:xfrm>
         </p:spPr>
@@ -1548,63 +1912,6 @@
       </p:sp>
       <p:sp>
         <p:nvSpPr>
-          <p:cNvPr id="4" name="Content Placeholder 3"/>
-          <p:cNvSpPr>
-            <a:spLocks noGrp="1"/>
-          </p:cNvSpPr>
-          <p:nvPr>
-            <p:ph sz="half" idx="2"/>
-          </p:nvPr>
-        </p:nvSpPr>
-        <p:spPr>
-          <a:xfrm>
-            <a:off x="4663440" y="1845736"/>
-            <a:ext cx="3703320" cy="4023359"/>
-          </a:xfrm>
-        </p:spPr>
-        <p:txBody>
-          <a:bodyPr/>
-          <a:lstStyle/>
-          <a:p>
-            <a:pPr lvl="0"/>
-            <a:r>
-              <a:rPr lang="en-US" smtClean="0"/>
-              <a:t>Click to edit Master text styles</a:t>
-            </a:r>
-          </a:p>
-          <a:p>
-            <a:pPr lvl="1"/>
-            <a:r>
-              <a:rPr lang="en-US" smtClean="0"/>
-              <a:t>Second level</a:t>
-            </a:r>
-          </a:p>
-          <a:p>
-            <a:pPr lvl="2"/>
-            <a:r>
-              <a:rPr lang="en-US" smtClean="0"/>
-              <a:t>Third level</a:t>
-            </a:r>
-          </a:p>
-          <a:p>
-            <a:pPr lvl="3"/>
-            <a:r>
-              <a:rPr lang="en-US" smtClean="0"/>
-              <a:t>Fourth level</a:t>
-            </a:r>
-          </a:p>
-          <a:p>
-            <a:pPr lvl="4"/>
-            <a:r>
-              <a:rPr lang="en-US" smtClean="0"/>
-              <a:t>Fifth level</a:t>
-            </a:r>
-            <a:endParaRPr lang="en-US" dirty="0"/>
-          </a:p>
-        </p:txBody>
-      </p:sp>
-      <p:sp>
-        <p:nvSpPr>
           <p:cNvPr id="5" name="Date Placeholder 4"/>
           <p:cNvSpPr>
             <a:spLocks noGrp="1"/>
@@ -1620,7 +1927,7 @@
           <a:p>
             <a:fld id="{19AB4D41-86C1-4908-B66A-0B50CEB3BF29}" type="datetimeFigureOut">
               <a:rPr lang="en-US" smtClean="0"/>
-              <a:t>5/12/16</a:t>
+              <a:t>10/12/16</a:t>
             </a:fld>
             <a:endParaRPr lang="en-US" dirty="0"/>
           </a:p>
@@ -1671,13 +1978,20 @@
     </p:spTree>
     <p:extLst>
       <p:ext uri="{BB962C8B-B14F-4D97-AF65-F5344CB8AC3E}">
-        <p14:creationId xmlns:p14="http://schemas.microsoft.com/office/powerpoint/2010/main" val="1540192435"/>
+        <p14:creationId xmlns:p14="http://schemas.microsoft.com/office/powerpoint/2010/main" val="1098694965"/>
       </p:ext>
     </p:extLst>
   </p:cSld>
   <p:clrMapOvr>
     <a:masterClrMapping/>
   </p:clrMapOvr>
+  <p:timing>
+    <p:tnLst>
+      <p:par>
+        <p:cTn id="1" dur="indefinite" restart="never" nodeType="tmRoot"/>
+      </p:par>
+    </p:tnLst>
+  </p:timing>
 </p:sldLayout>
 </file>
 
@@ -1710,8 +2024,8 @@
         </p:nvSpPr>
         <p:spPr>
           <a:xfrm>
-            <a:off x="822960" y="286604"/>
-            <a:ext cx="7543800" cy="1450757"/>
+            <a:off x="822961" y="286605"/>
+            <a:ext cx="7543800" cy="723957"/>
           </a:xfrm>
         </p:spPr>
         <p:txBody>
@@ -1749,43 +2063,43 @@
           <a:lstStyle>
             <a:lvl1pPr marL="0" indent="0">
               <a:buNone/>
-              <a:defRPr sz="2000" b="0" cap="all" baseline="0">
+              <a:defRPr sz="1999" b="0" cap="all" baseline="0">
                 <a:solidFill>
                   <a:schemeClr val="tx2"/>
                 </a:solidFill>
               </a:defRPr>
             </a:lvl1pPr>
-            <a:lvl2pPr marL="457200" indent="0">
-              <a:buNone/>
-              <a:defRPr sz="2000" b="1"/>
+            <a:lvl2pPr marL="456836" indent="0">
+              <a:buNone/>
+              <a:defRPr sz="1999" b="1"/>
             </a:lvl2pPr>
-            <a:lvl3pPr marL="914400" indent="0">
-              <a:buNone/>
-              <a:defRPr sz="1800" b="1"/>
+            <a:lvl3pPr marL="913671" indent="0">
+              <a:buNone/>
+              <a:defRPr sz="1798" b="1"/>
             </a:lvl3pPr>
-            <a:lvl4pPr marL="1371600" indent="0">
-              <a:buNone/>
-              <a:defRPr sz="1600" b="1"/>
+            <a:lvl4pPr marL="1370507" indent="0">
+              <a:buNone/>
+              <a:defRPr sz="1599" b="1"/>
             </a:lvl4pPr>
-            <a:lvl5pPr marL="1828800" indent="0">
-              <a:buNone/>
-              <a:defRPr sz="1600" b="1"/>
+            <a:lvl5pPr marL="1827343" indent="0">
+              <a:buNone/>
+              <a:defRPr sz="1599" b="1"/>
             </a:lvl5pPr>
-            <a:lvl6pPr marL="2286000" indent="0">
-              <a:buNone/>
-              <a:defRPr sz="1600" b="1"/>
+            <a:lvl6pPr marL="2284178" indent="0">
+              <a:buNone/>
+              <a:defRPr sz="1599" b="1"/>
             </a:lvl6pPr>
-            <a:lvl7pPr marL="2743200" indent="0">
-              <a:buNone/>
-              <a:defRPr sz="1600" b="1"/>
+            <a:lvl7pPr marL="2741013" indent="0">
+              <a:buNone/>
+              <a:defRPr sz="1599" b="1"/>
             </a:lvl7pPr>
-            <a:lvl8pPr marL="3200400" indent="0">
-              <a:buNone/>
-              <a:defRPr sz="1600" b="1"/>
+            <a:lvl8pPr marL="3197849" indent="0">
+              <a:buNone/>
+              <a:defRPr sz="1599" b="1"/>
             </a:lvl8pPr>
-            <a:lvl9pPr marL="3657600" indent="0">
-              <a:buNone/>
-              <a:defRPr sz="1600" b="1"/>
+            <a:lvl9pPr marL="3654684" indent="0">
+              <a:buNone/>
+              <a:defRPr sz="1599" b="1"/>
             </a:lvl9pPr>
           </a:lstStyle>
           <a:p>
@@ -1809,7 +2123,7 @@
         </p:nvSpPr>
         <p:spPr>
           <a:xfrm>
-            <a:off x="822960" y="2582334"/>
+            <a:off x="822960" y="2582335"/>
             <a:ext cx="3703320" cy="3286760"/>
           </a:xfrm>
         </p:spPr>
@@ -1866,7 +2180,7 @@
         </p:nvSpPr>
         <p:spPr>
           <a:xfrm>
-            <a:off x="4663440" y="1846052"/>
+            <a:off x="4663441" y="1846052"/>
             <a:ext cx="3703320" cy="736282"/>
           </a:xfrm>
         </p:spPr>
@@ -1877,43 +2191,43 @@
           <a:lstStyle>
             <a:lvl1pPr marL="0" indent="0">
               <a:buNone/>
-              <a:defRPr sz="2000" b="0" cap="all" baseline="0">
+              <a:defRPr sz="1999" b="0" cap="all" baseline="0">
                 <a:solidFill>
                   <a:schemeClr val="tx2"/>
                 </a:solidFill>
               </a:defRPr>
             </a:lvl1pPr>
-            <a:lvl2pPr marL="457200" indent="0">
-              <a:buNone/>
-              <a:defRPr sz="2000" b="1"/>
+            <a:lvl2pPr marL="456836" indent="0">
+              <a:buNone/>
+              <a:defRPr sz="1999" b="1"/>
             </a:lvl2pPr>
-            <a:lvl3pPr marL="914400" indent="0">
-              <a:buNone/>
-              <a:defRPr sz="1800" b="1"/>
+            <a:lvl3pPr marL="913671" indent="0">
+              <a:buNone/>
+              <a:defRPr sz="1798" b="1"/>
             </a:lvl3pPr>
-            <a:lvl4pPr marL="1371600" indent="0">
-              <a:buNone/>
-              <a:defRPr sz="1600" b="1"/>
+            <a:lvl4pPr marL="1370507" indent="0">
+              <a:buNone/>
+              <a:defRPr sz="1599" b="1"/>
             </a:lvl4pPr>
-            <a:lvl5pPr marL="1828800" indent="0">
-              <a:buNone/>
-              <a:defRPr sz="1600" b="1"/>
+            <a:lvl5pPr marL="1827343" indent="0">
+              <a:buNone/>
+              <a:defRPr sz="1599" b="1"/>
             </a:lvl5pPr>
-            <a:lvl6pPr marL="2286000" indent="0">
-              <a:buNone/>
-              <a:defRPr sz="1600" b="1"/>
+            <a:lvl6pPr marL="2284178" indent="0">
+              <a:buNone/>
+              <a:defRPr sz="1599" b="1"/>
             </a:lvl6pPr>
-            <a:lvl7pPr marL="2743200" indent="0">
-              <a:buNone/>
-              <a:defRPr sz="1600" b="1"/>
+            <a:lvl7pPr marL="2741013" indent="0">
+              <a:buNone/>
+              <a:defRPr sz="1599" b="1"/>
             </a:lvl7pPr>
-            <a:lvl8pPr marL="3200400" indent="0">
-              <a:buNone/>
-              <a:defRPr sz="1600" b="1"/>
+            <a:lvl8pPr marL="3197849" indent="0">
+              <a:buNone/>
+              <a:defRPr sz="1599" b="1"/>
             </a:lvl8pPr>
-            <a:lvl9pPr marL="3657600" indent="0">
-              <a:buNone/>
-              <a:defRPr sz="1600" b="1"/>
+            <a:lvl9pPr marL="3654684" indent="0">
+              <a:buNone/>
+              <a:defRPr sz="1599" b="1"/>
             </a:lvl9pPr>
           </a:lstStyle>
           <a:p>
@@ -1937,7 +2251,7 @@
         </p:nvSpPr>
         <p:spPr>
           <a:xfrm>
-            <a:off x="4663440" y="2582334"/>
+            <a:off x="4663441" y="2582334"/>
             <a:ext cx="3703320" cy="3286760"/>
           </a:xfrm>
         </p:spPr>
@@ -1999,7 +2313,7 @@
           <a:p>
             <a:fld id="{E6426E2C-56C1-4E0D-A793-0088A7FDD37E}" type="datetimeFigureOut">
               <a:rPr lang="en-US" smtClean="0"/>
-              <a:t>5/12/16</a:t>
+              <a:t>10/12/16</a:t>
             </a:fld>
             <a:endParaRPr lang="en-US" dirty="0"/>
           </a:p>
@@ -2050,13 +2364,20 @@
     </p:spTree>
     <p:extLst>
       <p:ext uri="{BB962C8B-B14F-4D97-AF65-F5344CB8AC3E}">
-        <p14:creationId xmlns:p14="http://schemas.microsoft.com/office/powerpoint/2010/main" val="246374107"/>
+        <p14:creationId xmlns:p14="http://schemas.microsoft.com/office/powerpoint/2010/main" val="1701879849"/>
       </p:ext>
     </p:extLst>
   </p:cSld>
   <p:clrMapOvr>
     <a:masterClrMapping/>
   </p:clrMapOvr>
+  <p:timing>
+    <p:tnLst>
+      <p:par>
+        <p:cTn id="1" dur="indefinite" restart="never" nodeType="tmRoot"/>
+      </p:par>
+    </p:tnLst>
+  </p:timing>
 </p:sldLayout>
 </file>
 
@@ -2117,7 +2438,7 @@
           <a:p>
             <a:fld id="{C8C39B41-D8B5-4052-B551-9B5525EAA8B6}" type="datetimeFigureOut">
               <a:rPr lang="en-US" smtClean="0"/>
-              <a:t>5/12/16</a:t>
+              <a:t>10/12/16</a:t>
             </a:fld>
             <a:endParaRPr lang="en-US" dirty="0"/>
           </a:p>
@@ -2168,7 +2489,7 @@
     </p:spTree>
     <p:extLst>
       <p:ext uri="{BB962C8B-B14F-4D97-AF65-F5344CB8AC3E}">
-        <p14:creationId xmlns:p14="http://schemas.microsoft.com/office/powerpoint/2010/main" val="461144933"/>
+        <p14:creationId xmlns:p14="http://schemas.microsoft.com/office/powerpoint/2010/main" val="1159927750"/>
       </p:ext>
     </p:extLst>
   </p:cSld>
@@ -2203,7 +2524,7 @@
         </p:nvSpPr>
         <p:spPr>
           <a:xfrm>
-            <a:off x="2382" y="6400800"/>
+            <a:off x="2383" y="6400800"/>
             <a:ext cx="9141619" cy="457200"/>
           </a:xfrm>
           <a:prstGeom prst="rect">
@@ -2241,7 +2562,7 @@
         </p:nvSpPr>
         <p:spPr>
           <a:xfrm>
-            <a:off x="12" y="6334316"/>
+            <a:off x="13" y="6334317"/>
             <a:ext cx="9141619" cy="64008"/>
           </a:xfrm>
           <a:prstGeom prst="rect">
@@ -2288,7 +2609,7 @@
           <a:p>
             <a:fld id="{4D94136C-8742-45B2-AF27-D93DF72833A9}" type="datetimeFigureOut">
               <a:rPr lang="en-US" smtClean="0"/>
-              <a:t>5/12/16</a:t>
+              <a:t>10/12/16</a:t>
             </a:fld>
             <a:endParaRPr lang="en-US" dirty="0"/>
           </a:p>
@@ -2348,7 +2669,7 @@
     </p:spTree>
     <p:extLst>
       <p:ext uri="{BB962C8B-B14F-4D97-AF65-F5344CB8AC3E}">
-        <p14:creationId xmlns:p14="http://schemas.microsoft.com/office/powerpoint/2010/main" val="194406908"/>
+        <p14:creationId xmlns:p14="http://schemas.microsoft.com/office/powerpoint/2010/main" val="49146784"/>
       </p:ext>
     </p:extLst>
   </p:cSld>
@@ -2473,7 +2794,7 @@
           </a:bodyPr>
           <a:lstStyle>
             <a:lvl1pPr>
-              <a:defRPr sz="3600" b="0">
+              <a:defRPr sz="3597" b="0">
                 <a:solidFill>
                   <a:srgbClr val="FFFFFF"/>
                 </a:solidFill>
@@ -2501,8 +2822,8 @@
         </p:nvSpPr>
         <p:spPr>
           <a:xfrm>
-            <a:off x="3460237" y="731520"/>
-            <a:ext cx="5009393" cy="5257800"/>
+            <a:off x="3600450" y="731520"/>
+            <a:ext cx="4869180" cy="5257800"/>
           </a:xfrm>
         </p:spPr>
         <p:txBody>
@@ -2558,7 +2879,7 @@
         </p:nvSpPr>
         <p:spPr>
           <a:xfrm>
-            <a:off x="342900" y="2926080"/>
+            <a:off x="342900" y="2926081"/>
             <a:ext cx="2400300" cy="3379124"/>
           </a:xfrm>
         </p:spPr>
@@ -2569,41 +2890,41 @@
           <a:lstStyle>
             <a:lvl1pPr marL="0" indent="0">
               <a:buNone/>
-              <a:defRPr sz="1500">
+              <a:defRPr sz="1499">
                 <a:solidFill>
                   <a:srgbClr val="FFFFFF"/>
                 </a:solidFill>
               </a:defRPr>
             </a:lvl1pPr>
-            <a:lvl2pPr marL="457200" indent="0">
-              <a:buNone/>
-              <a:defRPr sz="1200"/>
+            <a:lvl2pPr marL="456836" indent="0">
+              <a:buNone/>
+              <a:defRPr sz="1199"/>
             </a:lvl2pPr>
-            <a:lvl3pPr marL="914400" indent="0">
-              <a:buNone/>
-              <a:defRPr sz="1000"/>
+            <a:lvl3pPr marL="913671" indent="0">
+              <a:buNone/>
+              <a:defRPr sz="999"/>
             </a:lvl3pPr>
-            <a:lvl4pPr marL="1371600" indent="0">
+            <a:lvl4pPr marL="1370507" indent="0">
               <a:buNone/>
               <a:defRPr sz="900"/>
             </a:lvl4pPr>
-            <a:lvl5pPr marL="1828800" indent="0">
+            <a:lvl5pPr marL="1827343" indent="0">
               <a:buNone/>
               <a:defRPr sz="900"/>
             </a:lvl5pPr>
-            <a:lvl6pPr marL="2286000" indent="0">
+            <a:lvl6pPr marL="2284178" indent="0">
               <a:buNone/>
               <a:defRPr sz="900"/>
             </a:lvl6pPr>
-            <a:lvl7pPr marL="2743200" indent="0">
+            <a:lvl7pPr marL="2741013" indent="0">
               <a:buNone/>
               <a:defRPr sz="900"/>
             </a:lvl7pPr>
-            <a:lvl8pPr marL="3200400" indent="0">
+            <a:lvl8pPr marL="3197849" indent="0">
               <a:buNone/>
               <a:defRPr sz="900"/>
             </a:lvl8pPr>
-            <a:lvl9pPr marL="3657600" indent="0">
+            <a:lvl9pPr marL="3654684" indent="0">
               <a:buNone/>
               <a:defRPr sz="900"/>
             </a:lvl9pPr>
@@ -2629,7 +2950,7 @@
         </p:nvSpPr>
         <p:spPr>
           <a:xfrm>
-            <a:off x="349134" y="6459786"/>
+            <a:off x="349135" y="6459787"/>
             <a:ext cx="1963883" cy="365125"/>
           </a:xfrm>
         </p:spPr>
@@ -2643,7 +2964,7 @@
           <a:p>
             <a:fld id="{32ABBEA6-7C60-4B02-AE87-00D78D8422AF}" type="datetimeFigureOut">
               <a:rPr lang="en-US" smtClean="0"/>
-              <a:t>5/12/16</a:t>
+              <a:t>10/12/16</a:t>
             </a:fld>
             <a:endParaRPr lang="en-US" dirty="0"/>
           </a:p>
@@ -2661,7 +2982,7 @@
         </p:nvSpPr>
         <p:spPr>
           <a:xfrm>
-            <a:off x="3600450" y="6459786"/>
+            <a:off x="3600451" y="6459787"/>
             <a:ext cx="3486150" cy="365125"/>
           </a:xfrm>
         </p:spPr>
@@ -2716,7 +3037,7 @@
     </p:spTree>
     <p:extLst>
       <p:ext uri="{BB962C8B-B14F-4D97-AF65-F5344CB8AC3E}">
-        <p14:creationId xmlns:p14="http://schemas.microsoft.com/office/powerpoint/2010/main" val="1074275669"/>
+        <p14:creationId xmlns:p14="http://schemas.microsoft.com/office/powerpoint/2010/main" val="1376278240"/>
       </p:ext>
     </p:extLst>
   </p:cSld>
@@ -2751,7 +3072,7 @@
         </p:nvSpPr>
         <p:spPr>
           <a:xfrm>
-            <a:off x="0" y="4953000"/>
+            <a:off x="1" y="4953000"/>
             <a:ext cx="9141619" cy="1905000"/>
           </a:xfrm>
           <a:prstGeom prst="rect">
@@ -2789,7 +3110,7 @@
         </p:nvSpPr>
         <p:spPr>
           <a:xfrm>
-            <a:off x="12" y="4915076"/>
+            <a:off x="13" y="4915076"/>
             <a:ext cx="9141619" cy="64008"/>
           </a:xfrm>
           <a:prstGeom prst="rect">
@@ -2841,7 +3162,7 @@
           </a:bodyPr>
           <a:lstStyle>
             <a:lvl1pPr>
-              <a:defRPr sz="3600" b="0">
+              <a:defRPr sz="3597" b="0">
                 <a:solidFill>
                   <a:srgbClr val="FFFFFF"/>
                 </a:solidFill>
@@ -2869,58 +3190,53 @@
         </p:nvSpPr>
         <p:spPr>
           <a:xfrm>
-            <a:off x="12" y="0"/>
+            <a:off x="13" y="1"/>
             <a:ext cx="9143989" cy="4915076"/>
           </a:xfrm>
-          <a:blipFill>
-            <a:blip r:embed="rId2"/>
-            <a:stretch>
-              <a:fillRect/>
-            </a:stretch>
-          </a:blipFill>
+          <a:solidFill>
+            <a:schemeClr val="bg2">
+              <a:lumMod val="90000"/>
+            </a:schemeClr>
+          </a:solidFill>
         </p:spPr>
         <p:txBody>
           <a:bodyPr lIns="457200" tIns="457200" anchor="t"/>
           <a:lstStyle>
             <a:lvl1pPr marL="0" indent="0">
               <a:buNone/>
-              <a:defRPr sz="3200">
-                <a:solidFill>
-                  <a:schemeClr val="bg1"/>
-                </a:solidFill>
-              </a:defRPr>
+              <a:defRPr sz="3197"/>
             </a:lvl1pPr>
-            <a:lvl2pPr marL="457200" indent="0">
-              <a:buNone/>
-              <a:defRPr sz="2800"/>
+            <a:lvl2pPr marL="456836" indent="0">
+              <a:buNone/>
+              <a:defRPr sz="2797"/>
             </a:lvl2pPr>
-            <a:lvl3pPr marL="914400" indent="0">
-              <a:buNone/>
-              <a:defRPr sz="2400"/>
+            <a:lvl3pPr marL="913671" indent="0">
+              <a:buNone/>
+              <a:defRPr sz="2398"/>
             </a:lvl3pPr>
-            <a:lvl4pPr marL="1371600" indent="0">
-              <a:buNone/>
-              <a:defRPr sz="2000"/>
+            <a:lvl4pPr marL="1370507" indent="0">
+              <a:buNone/>
+              <a:defRPr sz="1999"/>
             </a:lvl4pPr>
-            <a:lvl5pPr marL="1828800" indent="0">
-              <a:buNone/>
-              <a:defRPr sz="2000"/>
+            <a:lvl5pPr marL="1827343" indent="0">
+              <a:buNone/>
+              <a:defRPr sz="1999"/>
             </a:lvl5pPr>
-            <a:lvl6pPr marL="2286000" indent="0">
-              <a:buNone/>
-              <a:defRPr sz="2000"/>
+            <a:lvl6pPr marL="2284178" indent="0">
+              <a:buNone/>
+              <a:defRPr sz="1999"/>
             </a:lvl6pPr>
-            <a:lvl7pPr marL="2743200" indent="0">
-              <a:buNone/>
-              <a:defRPr sz="2000"/>
+            <a:lvl7pPr marL="2741013" indent="0">
+              <a:buNone/>
+              <a:defRPr sz="1999"/>
             </a:lvl7pPr>
-            <a:lvl8pPr marL="3200400" indent="0">
-              <a:buNone/>
-              <a:defRPr sz="2000"/>
+            <a:lvl8pPr marL="3197849" indent="0">
+              <a:buNone/>
+              <a:defRPr sz="1999"/>
             </a:lvl8pPr>
-            <a:lvl9pPr marL="3657600" indent="0">
-              <a:buNone/>
-              <a:defRPr sz="2000"/>
+            <a:lvl9pPr marL="3654684" indent="0">
+              <a:buNone/>
+              <a:defRPr sz="1999"/>
             </a:lvl9pPr>
           </a:lstStyle>
           <a:p>
@@ -2944,7 +3260,7 @@
         </p:nvSpPr>
         <p:spPr>
           <a:xfrm>
-            <a:off x="822959" y="5907024"/>
+            <a:off x="822960" y="5907025"/>
             <a:ext cx="7589520" cy="594360"/>
           </a:xfrm>
         </p:spPr>
@@ -2958,44 +3274,44 @@
                 <a:spcPts val="0"/>
               </a:spcBef>
               <a:spcAft>
-                <a:spcPts val="600"/>
+                <a:spcPts val="599"/>
               </a:spcAft>
               <a:buNone/>
-              <a:defRPr sz="1500">
+              <a:defRPr sz="1499">
                 <a:solidFill>
                   <a:srgbClr val="FFFFFF"/>
                 </a:solidFill>
               </a:defRPr>
             </a:lvl1pPr>
-            <a:lvl2pPr marL="457200" indent="0">
-              <a:buNone/>
-              <a:defRPr sz="1200"/>
+            <a:lvl2pPr marL="456836" indent="0">
+              <a:buNone/>
+              <a:defRPr sz="1199"/>
             </a:lvl2pPr>
-            <a:lvl3pPr marL="914400" indent="0">
-              <a:buNone/>
-              <a:defRPr sz="1000"/>
+            <a:lvl3pPr marL="913671" indent="0">
+              <a:buNone/>
+              <a:defRPr sz="999"/>
             </a:lvl3pPr>
-            <a:lvl4pPr marL="1371600" indent="0">
+            <a:lvl4pPr marL="1370507" indent="0">
               <a:buNone/>
               <a:defRPr sz="900"/>
             </a:lvl4pPr>
-            <a:lvl5pPr marL="1828800" indent="0">
+            <a:lvl5pPr marL="1827343" indent="0">
               <a:buNone/>
               <a:defRPr sz="900"/>
             </a:lvl5pPr>
-            <a:lvl6pPr marL="2286000" indent="0">
+            <a:lvl6pPr marL="2284178" indent="0">
               <a:buNone/>
               <a:defRPr sz="900"/>
             </a:lvl6pPr>
-            <a:lvl7pPr marL="2743200" indent="0">
+            <a:lvl7pPr marL="2741013" indent="0">
               <a:buNone/>
               <a:defRPr sz="900"/>
             </a:lvl7pPr>
-            <a:lvl8pPr marL="3200400" indent="0">
+            <a:lvl8pPr marL="3197849" indent="0">
               <a:buNone/>
               <a:defRPr sz="900"/>
             </a:lvl8pPr>
-            <a:lvl9pPr marL="3657600" indent="0">
+            <a:lvl9pPr marL="3654684" indent="0">
               <a:buNone/>
               <a:defRPr sz="900"/>
             </a:lvl9pPr>
@@ -3026,7 +3342,7 @@
           <a:p>
             <a:fld id="{C9CAD897-D46E-4AD2-BD9B-49DD3E640873}" type="datetimeFigureOut">
               <a:rPr lang="en-US" smtClean="0"/>
-              <a:t>5/12/16</a:t>
+              <a:t>10/12/16</a:t>
             </a:fld>
             <a:endParaRPr lang="en-US" dirty="0"/>
           </a:p>
@@ -3077,7 +3393,7 @@
     </p:spTree>
     <p:extLst>
       <p:ext uri="{BB962C8B-B14F-4D97-AF65-F5344CB8AC3E}">
-        <p14:creationId xmlns:p14="http://schemas.microsoft.com/office/powerpoint/2010/main" val="1456148554"/>
+        <p14:creationId xmlns:p14="http://schemas.microsoft.com/office/powerpoint/2010/main" val="562017843"/>
       </p:ext>
     </p:extLst>
   </p:cSld>
@@ -3117,7 +3433,7 @@
         </p:nvSpPr>
         <p:spPr>
           <a:xfrm>
-            <a:off x="0" y="6400800"/>
+            <a:off x="1" y="6400800"/>
             <a:ext cx="9144001" cy="457200"/>
           </a:xfrm>
           <a:prstGeom prst="rect">
@@ -3155,8 +3471,8 @@
         </p:nvSpPr>
         <p:spPr>
           <a:xfrm>
-            <a:off x="0" y="6334315"/>
-            <a:ext cx="9144001" cy="65999"/>
+            <a:off x="1" y="6334316"/>
+            <a:ext cx="9144001" cy="66484"/>
           </a:xfrm>
           <a:prstGeom prst="rect">
             <a:avLst/>
@@ -3197,8 +3513,8 @@
         </p:nvSpPr>
         <p:spPr>
           <a:xfrm>
-            <a:off x="822960" y="286604"/>
-            <a:ext cx="7543800" cy="1450757"/>
+            <a:off x="822961" y="286605"/>
+            <a:ext cx="7543800" cy="654859"/>
           </a:xfrm>
           <a:prstGeom prst="rect">
             <a:avLst/>
@@ -3230,8 +3546,8 @@
         </p:nvSpPr>
         <p:spPr>
           <a:xfrm>
-            <a:off x="822959" y="1845734"/>
-            <a:ext cx="7543801" cy="4023360"/>
+            <a:off x="822959" y="1146145"/>
+            <a:ext cx="7543801" cy="4722949"/>
           </a:xfrm>
           <a:prstGeom prst="rect">
             <a:avLst/>
@@ -3292,7 +3608,7 @@
         </p:nvSpPr>
         <p:spPr>
           <a:xfrm>
-            <a:off x="822961" y="6459786"/>
+            <a:off x="822962" y="6459787"/>
             <a:ext cx="1854203" cy="365125"/>
           </a:xfrm>
           <a:prstGeom prst="rect">
@@ -3313,7 +3629,7 @@
           <a:p>
             <a:fld id="{98624D31-43A5-475A-80CF-332C9F6DCF35}" type="datetimeFigureOut">
               <a:rPr lang="en-US" smtClean="0"/>
-              <a:t>5/12/16</a:t>
+              <a:t>10/12/16</a:t>
             </a:fld>
             <a:endParaRPr lang="en-US" dirty="0"/>
           </a:p>
@@ -3331,7 +3647,7 @@
         </p:nvSpPr>
         <p:spPr>
           <a:xfrm>
-            <a:off x="2764639" y="6459786"/>
+            <a:off x="2764640" y="6459787"/>
             <a:ext cx="3617103" cy="365125"/>
           </a:xfrm>
           <a:prstGeom prst="rect">
@@ -3366,7 +3682,7 @@
         </p:nvSpPr>
         <p:spPr>
           <a:xfrm>
-            <a:off x="7425344" y="6459786"/>
+            <a:off x="7425345" y="6459787"/>
             <a:ext cx="984019" cy="365125"/>
           </a:xfrm>
           <a:prstGeom prst="rect">
@@ -3377,7 +3693,7 @@
           <a:bodyPr vert="horz" lIns="91440" tIns="45720" rIns="91440" bIns="45720" rtlCol="0" anchor="ctr"/>
           <a:lstStyle>
             <a:lvl1pPr algn="r">
-              <a:defRPr sz="1050">
+              <a:defRPr sz="1049">
                 <a:solidFill>
                   <a:srgbClr val="FFFFFF"/>
                 </a:solidFill>
@@ -3402,7 +3718,7 @@
         </p:nvCxnSpPr>
         <p:spPr>
           <a:xfrm>
-            <a:off x="895149" y="1737845"/>
+            <a:off x="822959" y="1079660"/>
             <a:ext cx="7475220" cy="0"/>
           </a:xfrm>
           <a:prstGeom prst="line">
@@ -3435,28 +3751,36 @@
     </p:spTree>
     <p:extLst>
       <p:ext uri="{BB962C8B-B14F-4D97-AF65-F5344CB8AC3E}">
-        <p14:creationId xmlns:p14="http://schemas.microsoft.com/office/powerpoint/2010/main" val="372236007"/>
+        <p14:creationId xmlns:p14="http://schemas.microsoft.com/office/powerpoint/2010/main" val="62928689"/>
       </p:ext>
     </p:extLst>
   </p:cSld>
   <p:clrMap bg1="lt1" tx1="dk1" bg2="lt2" tx2="dk2" accent1="accent1" accent2="accent2" accent3="accent3" accent4="accent4" accent5="accent5" accent6="accent6" hlink="hlink" folHlink="folHlink"/>
   <p:sldLayoutIdLst>
-    <p:sldLayoutId id="2147483662" r:id="rId1"/>
-    <p:sldLayoutId id="2147483663" r:id="rId2"/>
-    <p:sldLayoutId id="2147483664" r:id="rId3"/>
-    <p:sldLayoutId id="2147483665" r:id="rId4"/>
-    <p:sldLayoutId id="2147483666" r:id="rId5"/>
-    <p:sldLayoutId id="2147483667" r:id="rId6"/>
-    <p:sldLayoutId id="2147483668" r:id="rId7"/>
-    <p:sldLayoutId id="2147483669" r:id="rId8"/>
-    <p:sldLayoutId id="2147483670" r:id="rId9"/>
-    <p:sldLayoutId id="2147483671" r:id="rId10"/>
-    <p:sldLayoutId id="2147483672" r:id="rId11"/>
+    <p:sldLayoutId id="2147483674" r:id="rId1"/>
+    <p:sldLayoutId id="2147483675" r:id="rId2"/>
+    <p:sldLayoutId id="2147483676" r:id="rId3"/>
+    <p:sldLayoutId id="2147483677" r:id="rId4"/>
+    <p:sldLayoutId id="2147483678" r:id="rId5"/>
+    <p:sldLayoutId id="2147483679" r:id="rId6"/>
+    <p:sldLayoutId id="2147483680" r:id="rId7"/>
+    <p:sldLayoutId id="2147483681" r:id="rId8"/>
+    <p:sldLayoutId id="2147483682" r:id="rId9"/>
+    <p:sldLayoutId id="2147483683" r:id="rId10"/>
+    <p:sldLayoutId id="2147483684" r:id="rId11"/>
+    <p:sldLayoutId id="2147483685" r:id="rId12"/>
   </p:sldLayoutIdLst>
+  <p:timing>
+    <p:tnLst>
+      <p:par>
+        <p:cTn id="1" dur="indefinite" restart="never" nodeType="tmRoot"/>
+      </p:par>
+    </p:tnLst>
+  </p:timing>
   <p:hf sldNum="0" hdr="0" ftr="0" dt="0"/>
   <p:txStyles>
     <p:titleStyle>
-      <a:lvl1pPr algn="l" defTabSz="914400" rtl="0" eaLnBrk="1" latinLnBrk="0" hangingPunct="1">
+      <a:lvl1pPr algn="l" defTabSz="913671" rtl="0" eaLnBrk="1" latinLnBrk="0" hangingPunct="1">
         <a:lnSpc>
           <a:spcPct val="85000"/>
         </a:lnSpc>
@@ -3464,7 +3788,7 @@
           <a:spcPct val="0"/>
         </a:spcBef>
         <a:buNone/>
-        <a:defRPr sz="4800" kern="1200" spc="-50" baseline="0">
+        <a:defRPr sz="4796" kern="1200" spc="-50" baseline="0">
           <a:solidFill>
             <a:schemeClr val="tx1">
               <a:lumMod val="75000"/>
@@ -3478,15 +3802,15 @@
       </a:lvl1pPr>
     </p:titleStyle>
     <p:bodyStyle>
-      <a:lvl1pPr marL="91440" indent="-91440" algn="l" defTabSz="914400" rtl="0" eaLnBrk="1" latinLnBrk="0" hangingPunct="1">
+      <a:lvl1pPr marL="91367" indent="-91367" algn="l" defTabSz="913671" rtl="0" eaLnBrk="1" latinLnBrk="0" hangingPunct="1">
         <a:lnSpc>
           <a:spcPct val="90000"/>
         </a:lnSpc>
         <a:spcBef>
-          <a:spcPts val="1200"/>
+          <a:spcPts val="1199"/>
         </a:spcBef>
         <a:spcAft>
-          <a:spcPts val="200"/>
+          <a:spcPts val="199"/>
         </a:spcAft>
         <a:buClr>
           <a:schemeClr val="accent1"/>
@@ -3494,7 +3818,7 @@
         <a:buSzPct val="100000"/>
         <a:buFont typeface="Calibri" panose="020F0502020204030204" pitchFamily="34" charset="0"/>
         <a:buChar char=" "/>
-        <a:defRPr sz="2000" kern="1200">
+        <a:defRPr sz="1999" kern="1200">
           <a:solidFill>
             <a:schemeClr val="tx1">
               <a:lumMod val="75000"/>
@@ -3506,12 +3830,12 @@
           <a:cs typeface="+mn-cs"/>
         </a:defRPr>
       </a:lvl1pPr>
-      <a:lvl2pPr marL="384048" indent="-182880" algn="l" defTabSz="914400" rtl="0" eaLnBrk="1" latinLnBrk="0" hangingPunct="1">
+      <a:lvl2pPr marL="383741" indent="-182734" algn="l" defTabSz="913671" rtl="0" eaLnBrk="1" latinLnBrk="0" hangingPunct="1">
         <a:lnSpc>
           <a:spcPct val="90000"/>
         </a:lnSpc>
         <a:spcBef>
-          <a:spcPts val="200"/>
+          <a:spcPts val="199"/>
         </a:spcBef>
         <a:spcAft>
           <a:spcPts val="400"/>
@@ -3521,7 +3845,7 @@
         </a:buClr>
         <a:buFont typeface="Calibri" pitchFamily="34" charset="0"/>
         <a:buChar char="◦"/>
-        <a:defRPr sz="1800" kern="1200">
+        <a:defRPr sz="1798" kern="1200">
           <a:solidFill>
             <a:schemeClr val="tx1">
               <a:lumMod val="75000"/>
@@ -3533,12 +3857,12 @@
           <a:cs typeface="+mn-cs"/>
         </a:defRPr>
       </a:lvl2pPr>
-      <a:lvl3pPr marL="566928" indent="-182880" algn="l" defTabSz="914400" rtl="0" eaLnBrk="1" latinLnBrk="0" hangingPunct="1">
+      <a:lvl3pPr marL="566476" indent="-182734" algn="l" defTabSz="913671" rtl="0" eaLnBrk="1" latinLnBrk="0" hangingPunct="1">
         <a:lnSpc>
           <a:spcPct val="90000"/>
         </a:lnSpc>
         <a:spcBef>
-          <a:spcPts val="200"/>
+          <a:spcPts val="199"/>
         </a:spcBef>
         <a:spcAft>
           <a:spcPts val="400"/>
@@ -3548,7 +3872,7 @@
         </a:buClr>
         <a:buFont typeface="Calibri" pitchFamily="34" charset="0"/>
         <a:buChar char="◦"/>
-        <a:defRPr sz="1400" kern="1200">
+        <a:defRPr sz="1399" kern="1200">
           <a:solidFill>
             <a:schemeClr val="tx1">
               <a:lumMod val="75000"/>
@@ -3560,12 +3884,12 @@
           <a:cs typeface="+mn-cs"/>
         </a:defRPr>
       </a:lvl3pPr>
-      <a:lvl4pPr marL="749808" indent="-182880" algn="l" defTabSz="914400" rtl="0" eaLnBrk="1" latinLnBrk="0" hangingPunct="1">
+      <a:lvl4pPr marL="749210" indent="-182734" algn="l" defTabSz="913671" rtl="0" eaLnBrk="1" latinLnBrk="0" hangingPunct="1">
         <a:lnSpc>
           <a:spcPct val="90000"/>
         </a:lnSpc>
         <a:spcBef>
-          <a:spcPts val="200"/>
+          <a:spcPts val="199"/>
         </a:spcBef>
         <a:spcAft>
           <a:spcPts val="400"/>
@@ -3575,7 +3899,7 @@
         </a:buClr>
         <a:buFont typeface="Calibri" pitchFamily="34" charset="0"/>
         <a:buChar char="◦"/>
-        <a:defRPr sz="1400" kern="1200">
+        <a:defRPr sz="1399" kern="1200">
           <a:solidFill>
             <a:schemeClr val="tx1">
               <a:lumMod val="75000"/>
@@ -3587,12 +3911,12 @@
           <a:cs typeface="+mn-cs"/>
         </a:defRPr>
       </a:lvl4pPr>
-      <a:lvl5pPr marL="932688" indent="-182880" algn="l" defTabSz="914400" rtl="0" eaLnBrk="1" latinLnBrk="0" hangingPunct="1">
+      <a:lvl5pPr marL="931945" indent="-182734" algn="l" defTabSz="913671" rtl="0" eaLnBrk="1" latinLnBrk="0" hangingPunct="1">
         <a:lnSpc>
           <a:spcPct val="90000"/>
         </a:lnSpc>
         <a:spcBef>
-          <a:spcPts val="200"/>
+          <a:spcPts val="199"/>
         </a:spcBef>
         <a:spcAft>
           <a:spcPts val="400"/>
@@ -3602,7 +3926,7 @@
         </a:buClr>
         <a:buFont typeface="Calibri" pitchFamily="34" charset="0"/>
         <a:buChar char="◦"/>
-        <a:defRPr sz="1400" kern="1200">
+        <a:defRPr sz="1399" kern="1200">
           <a:solidFill>
             <a:schemeClr val="tx1">
               <a:lumMod val="75000"/>
@@ -3614,12 +3938,12 @@
           <a:cs typeface="+mn-cs"/>
         </a:defRPr>
       </a:lvl5pPr>
-      <a:lvl6pPr marL="1100000" indent="-228600" algn="l" defTabSz="914400" rtl="0" eaLnBrk="1" latinLnBrk="0" hangingPunct="1">
+      <a:lvl6pPr marL="1099123" indent="-228417" algn="l" defTabSz="913671" rtl="0" eaLnBrk="1" latinLnBrk="0" hangingPunct="1">
         <a:lnSpc>
           <a:spcPct val="90000"/>
         </a:lnSpc>
         <a:spcBef>
-          <a:spcPts val="200"/>
+          <a:spcPts val="199"/>
         </a:spcBef>
         <a:spcAft>
           <a:spcPts val="400"/>
@@ -3629,7 +3953,7 @@
         </a:buClr>
         <a:buFont typeface="Calibri" pitchFamily="34" charset="0"/>
         <a:buChar char="◦"/>
-        <a:defRPr sz="1400" kern="1200">
+        <a:defRPr sz="1399" kern="1200">
           <a:solidFill>
             <a:schemeClr val="tx1">
               <a:lumMod val="75000"/>
@@ -3641,12 +3965,12 @@
           <a:cs typeface="+mn-cs"/>
         </a:defRPr>
       </a:lvl6pPr>
-      <a:lvl7pPr marL="1300000" indent="-228600" algn="l" defTabSz="914400" rtl="0" eaLnBrk="1" latinLnBrk="0" hangingPunct="1">
+      <a:lvl7pPr marL="1298964" indent="-228417" algn="l" defTabSz="913671" rtl="0" eaLnBrk="1" latinLnBrk="0" hangingPunct="1">
         <a:lnSpc>
           <a:spcPct val="90000"/>
         </a:lnSpc>
         <a:spcBef>
-          <a:spcPts val="200"/>
+          <a:spcPts val="199"/>
         </a:spcBef>
         <a:spcAft>
           <a:spcPts val="400"/>
@@ -3656,7 +3980,7 @@
         </a:buClr>
         <a:buFont typeface="Calibri" pitchFamily="34" charset="0"/>
         <a:buChar char="◦"/>
-        <a:defRPr sz="1400" kern="1200">
+        <a:defRPr sz="1399" kern="1200">
           <a:solidFill>
             <a:schemeClr val="tx1">
               <a:lumMod val="75000"/>
@@ -3668,12 +3992,12 @@
           <a:cs typeface="+mn-cs"/>
         </a:defRPr>
       </a:lvl7pPr>
-      <a:lvl8pPr marL="1500000" indent="-228600" algn="l" defTabSz="914400" rtl="0" eaLnBrk="1" latinLnBrk="0" hangingPunct="1">
+      <a:lvl8pPr marL="1498804" indent="-228417" algn="l" defTabSz="913671" rtl="0" eaLnBrk="1" latinLnBrk="0" hangingPunct="1">
         <a:lnSpc>
           <a:spcPct val="90000"/>
         </a:lnSpc>
         <a:spcBef>
-          <a:spcPts val="200"/>
+          <a:spcPts val="199"/>
         </a:spcBef>
         <a:spcAft>
           <a:spcPts val="400"/>
@@ -3683,7 +4007,7 @@
         </a:buClr>
         <a:buFont typeface="Calibri" pitchFamily="34" charset="0"/>
         <a:buChar char="◦"/>
-        <a:defRPr sz="1400" kern="1200">
+        <a:defRPr sz="1399" kern="1200">
           <a:solidFill>
             <a:schemeClr val="tx1">
               <a:lumMod val="75000"/>
@@ -3695,12 +4019,12 @@
           <a:cs typeface="+mn-cs"/>
         </a:defRPr>
       </a:lvl8pPr>
-      <a:lvl9pPr marL="1700000" indent="-228600" algn="l" defTabSz="914400" rtl="0" eaLnBrk="1" latinLnBrk="0" hangingPunct="1">
+      <a:lvl9pPr marL="1698645" indent="-228417" algn="l" defTabSz="913671" rtl="0" eaLnBrk="1" latinLnBrk="0" hangingPunct="1">
         <a:lnSpc>
           <a:spcPct val="90000"/>
         </a:lnSpc>
         <a:spcBef>
-          <a:spcPts val="200"/>
+          <a:spcPts val="199"/>
         </a:spcBef>
         <a:spcAft>
           <a:spcPts val="400"/>
@@ -3710,7 +4034,7 @@
         </a:buClr>
         <a:buFont typeface="Calibri" pitchFamily="34" charset="0"/>
         <a:buChar char="◦"/>
-        <a:defRPr sz="1400" kern="1200">
+        <a:defRPr sz="1399" kern="1200">
           <a:solidFill>
             <a:schemeClr val="tx1">
               <a:lumMod val="75000"/>
@@ -3727,8 +4051,8 @@
       <a:defPPr>
         <a:defRPr lang="en-US"/>
       </a:defPPr>
-      <a:lvl1pPr marL="0" algn="l" defTabSz="914400" rtl="0" eaLnBrk="1" latinLnBrk="0" hangingPunct="1">
-        <a:defRPr sz="1800" kern="1200">
+      <a:lvl1pPr marL="0" algn="l" defTabSz="913671" rtl="0" eaLnBrk="1" latinLnBrk="0" hangingPunct="1">
+        <a:defRPr sz="1798" kern="1200">
           <a:solidFill>
             <a:schemeClr val="tx1"/>
           </a:solidFill>
@@ -3737,8 +4061,8 @@
           <a:cs typeface="+mn-cs"/>
         </a:defRPr>
       </a:lvl1pPr>
-      <a:lvl2pPr marL="457200" algn="l" defTabSz="914400" rtl="0" eaLnBrk="1" latinLnBrk="0" hangingPunct="1">
-        <a:defRPr sz="1800" kern="1200">
+      <a:lvl2pPr marL="456836" algn="l" defTabSz="913671" rtl="0" eaLnBrk="1" latinLnBrk="0" hangingPunct="1">
+        <a:defRPr sz="1798" kern="1200">
           <a:solidFill>
             <a:schemeClr val="tx1"/>
           </a:solidFill>
@@ -3747,8 +4071,8 @@
           <a:cs typeface="+mn-cs"/>
         </a:defRPr>
       </a:lvl2pPr>
-      <a:lvl3pPr marL="914400" algn="l" defTabSz="914400" rtl="0" eaLnBrk="1" latinLnBrk="0" hangingPunct="1">
-        <a:defRPr sz="1800" kern="1200">
+      <a:lvl3pPr marL="913671" algn="l" defTabSz="913671" rtl="0" eaLnBrk="1" latinLnBrk="0" hangingPunct="1">
+        <a:defRPr sz="1798" kern="1200">
           <a:solidFill>
             <a:schemeClr val="tx1"/>
           </a:solidFill>
@@ -3757,8 +4081,8 @@
           <a:cs typeface="+mn-cs"/>
         </a:defRPr>
       </a:lvl3pPr>
-      <a:lvl4pPr marL="1371600" algn="l" defTabSz="914400" rtl="0" eaLnBrk="1" latinLnBrk="0" hangingPunct="1">
-        <a:defRPr sz="1800" kern="1200">
+      <a:lvl4pPr marL="1370507" algn="l" defTabSz="913671" rtl="0" eaLnBrk="1" latinLnBrk="0" hangingPunct="1">
+        <a:defRPr sz="1798" kern="1200">
           <a:solidFill>
             <a:schemeClr val="tx1"/>
           </a:solidFill>
@@ -3767,8 +4091,8 @@
           <a:cs typeface="+mn-cs"/>
         </a:defRPr>
       </a:lvl4pPr>
-      <a:lvl5pPr marL="1828800" algn="l" defTabSz="914400" rtl="0" eaLnBrk="1" latinLnBrk="0" hangingPunct="1">
-        <a:defRPr sz="1800" kern="1200">
+      <a:lvl5pPr marL="1827343" algn="l" defTabSz="913671" rtl="0" eaLnBrk="1" latinLnBrk="0" hangingPunct="1">
+        <a:defRPr sz="1798" kern="1200">
           <a:solidFill>
             <a:schemeClr val="tx1"/>
           </a:solidFill>
@@ -3777,8 +4101,8 @@
           <a:cs typeface="+mn-cs"/>
         </a:defRPr>
       </a:lvl5pPr>
-      <a:lvl6pPr marL="2286000" algn="l" defTabSz="914400" rtl="0" eaLnBrk="1" latinLnBrk="0" hangingPunct="1">
-        <a:defRPr sz="1800" kern="1200">
+      <a:lvl6pPr marL="2284178" algn="l" defTabSz="913671" rtl="0" eaLnBrk="1" latinLnBrk="0" hangingPunct="1">
+        <a:defRPr sz="1798" kern="1200">
           <a:solidFill>
             <a:schemeClr val="tx1"/>
           </a:solidFill>
@@ -3787,8 +4111,8 @@
           <a:cs typeface="+mn-cs"/>
         </a:defRPr>
       </a:lvl6pPr>
-      <a:lvl7pPr marL="2743200" algn="l" defTabSz="914400" rtl="0" eaLnBrk="1" latinLnBrk="0" hangingPunct="1">
-        <a:defRPr sz="1800" kern="1200">
+      <a:lvl7pPr marL="2741013" algn="l" defTabSz="913671" rtl="0" eaLnBrk="1" latinLnBrk="0" hangingPunct="1">
+        <a:defRPr sz="1798" kern="1200">
           <a:solidFill>
             <a:schemeClr val="tx1"/>
           </a:solidFill>
@@ -3797,8 +4121,8 @@
           <a:cs typeface="+mn-cs"/>
         </a:defRPr>
       </a:lvl7pPr>
-      <a:lvl8pPr marL="3200400" algn="l" defTabSz="914400" rtl="0" eaLnBrk="1" latinLnBrk="0" hangingPunct="1">
-        <a:defRPr sz="1800" kern="1200">
+      <a:lvl8pPr marL="3197849" algn="l" defTabSz="913671" rtl="0" eaLnBrk="1" latinLnBrk="0" hangingPunct="1">
+        <a:defRPr sz="1798" kern="1200">
           <a:solidFill>
             <a:schemeClr val="tx1"/>
           </a:solidFill>
@@ -3807,8 +4131,8 @@
           <a:cs typeface="+mn-cs"/>
         </a:defRPr>
       </a:lvl8pPr>
-      <a:lvl9pPr marL="3657600" algn="l" defTabSz="914400" rtl="0" eaLnBrk="1" latinLnBrk="0" hangingPunct="1">
-        <a:defRPr sz="1800" kern="1200">
+      <a:lvl9pPr marL="3654684" algn="l" defTabSz="913671" rtl="0" eaLnBrk="1" latinLnBrk="0" hangingPunct="1">
+        <a:defRPr sz="1798" kern="1200">
           <a:solidFill>
             <a:schemeClr val="tx1"/>
           </a:solidFill>
@@ -4011,7 +4335,9 @@
         </p:nvSpPr>
         <p:spPr/>
         <p:txBody>
-          <a:bodyPr/>
+          <a:bodyPr>
+            <a:normAutofit fontScale="90000"/>
+          </a:bodyPr>
           <a:lstStyle/>
           <a:p>
             <a:r>
@@ -4083,7 +4409,9 @@
         </p:nvSpPr>
         <p:spPr/>
         <p:txBody>
-          <a:bodyPr/>
+          <a:bodyPr>
+            <a:normAutofit fontScale="90000"/>
+          </a:bodyPr>
           <a:lstStyle/>
           <a:p>
             <a:r>
@@ -4155,7 +4483,9 @@
         </p:nvSpPr>
         <p:spPr/>
         <p:txBody>
-          <a:bodyPr/>
+          <a:bodyPr>
+            <a:normAutofit fontScale="90000"/>
+          </a:bodyPr>
           <a:lstStyle/>
           <a:p>
             <a:r>
@@ -4311,7 +4641,9 @@
         </p:nvSpPr>
         <p:spPr/>
         <p:txBody>
-          <a:bodyPr/>
+          <a:bodyPr>
+            <a:normAutofit fontScale="90000"/>
+          </a:bodyPr>
           <a:lstStyle/>
           <a:p>
             <a:r>
@@ -4383,7 +4715,9 @@
         </p:nvSpPr>
         <p:spPr/>
         <p:txBody>
-          <a:bodyPr/>
+          <a:bodyPr>
+            <a:normAutofit fontScale="90000"/>
+          </a:bodyPr>
           <a:lstStyle/>
           <a:p>
             <a:r>
@@ -4455,7 +4789,9 @@
         </p:nvSpPr>
         <p:spPr/>
         <p:txBody>
-          <a:bodyPr/>
+          <a:bodyPr>
+            <a:normAutofit fontScale="90000"/>
+          </a:bodyPr>
           <a:lstStyle/>
           <a:p>
             <a:r>
@@ -4499,44 +4835,44 @@
 </file>
 
 <file path=ppt/theme/theme1.xml><?xml version="1.0" encoding="utf-8"?>
-<a:theme xmlns:a="http://schemas.openxmlformats.org/drawingml/2006/main" name="Retrospect">
+<a:theme xmlns:a="http://schemas.openxmlformats.org/drawingml/2006/main" name="Blues">
   <a:themeElements>
     <a:clrScheme name="Retrospect">
       <a:dk1>
-        <a:srgbClr val="000000"/>
+        <a:sysClr val="windowText" lastClr="000000"/>
       </a:dk1>
       <a:lt1>
         <a:sysClr val="window" lastClr="FFFFFF"/>
       </a:lt1>
       <a:dk2>
-        <a:srgbClr val="637052"/>
+        <a:srgbClr val="344068"/>
       </a:dk2>
       <a:lt2>
-        <a:srgbClr val="CCDDEA"/>
+        <a:srgbClr val="D9E0E6"/>
       </a:lt2>
       <a:accent1>
-        <a:srgbClr val="E48312"/>
+        <a:srgbClr val="1CADE4"/>
       </a:accent1>
       <a:accent2>
-        <a:srgbClr val="BD582C"/>
+        <a:srgbClr val="2683C6"/>
       </a:accent2>
       <a:accent3>
-        <a:srgbClr val="865640"/>
+        <a:srgbClr val="28C4CC"/>
       </a:accent3>
       <a:accent4>
-        <a:srgbClr val="9B8357"/>
+        <a:srgbClr val="42BA97"/>
       </a:accent4>
       <a:accent5>
-        <a:srgbClr val="C2BC80"/>
+        <a:srgbClr val="3E8853"/>
       </a:accent5>
       <a:accent6>
-        <a:srgbClr val="94A088"/>
+        <a:srgbClr val="62A39F"/>
       </a:accent6>
       <a:hlink>
-        <a:srgbClr val="2998E3"/>
+        <a:srgbClr val="6EAC1C"/>
       </a:hlink>
       <a:folHlink>
-        <a:srgbClr val="8C8C8C"/>
+        <a:srgbClr val="B26B02"/>
       </a:folHlink>
     </a:clrScheme>
     <a:fontScheme name="Retrospect">
@@ -4775,7 +5111,7 @@
   <a:extraClrSchemeLst/>
   <a:extLst>
     <a:ext uri="{05A4C25C-085E-4340-85A3-A5531E510DB2}">
-      <thm15:themeFamily xmlns:thm15="http://schemas.microsoft.com/office/thememl/2012/main" name="Retrospect" id="{5F128B03-DCCA-4EEB-AB3B-CF2899314A46}" vid="{3F1AAB62-24C6-49D2-8E01-B56FAC9A3DCD}"/>
+      <thm15:themeFamily xmlns:thm15="http://schemas.microsoft.com/office/thememl/2012/main" name="Blues" id="{031DF67F-A517-1F40-A9E3-9B99C78E9C4B}" vid="{354BE8AD-0555-AC4A-A89D-86E85505A204}"/>
     </a:ext>
   </a:extLst>
 </a:theme>
